--- a/BasicProgramming and Intro to R (KCL).pptx
+++ b/BasicProgramming and Intro to R (KCL).pptx
@@ -17612,27 +17612,16 @@
             </a:pPr>
             <a:r>
               <a:rPr lang="en-GB" sz="2800" dirty="0"/>
-              <a:t>http://</a:t>
+              <a:t>https://</a:t>
             </a:r>
             <a:r>
               <a:rPr lang="en-GB" sz="2800" dirty="0" err="1"/>
-              <a:t>bit.ly</a:t>
+              <a:t>muharif.github.io</a:t>
             </a:r>
             <a:r>
               <a:rPr lang="en-GB" sz="2800" dirty="0"/>
-              <a:t>/</a:t>
+              <a:t>/MicrobiomeKCL2020/</a:t>
             </a:r>
-            <a:r>
-              <a:rPr lang="en-GB" sz="2800" dirty="0" err="1"/>
-              <a:t>MicrobiomeProgrammingKCL</a:t>
-            </a:r>
-            <a:endParaRPr lang="en-GB" sz="2800" dirty="0"/>
-          </a:p>
-          <a:p>
-            <a:pPr marL="146050" indent="0" algn="ctr">
-              <a:buNone/>
-            </a:pPr>
-            <a:endParaRPr lang="en-GB" sz="2800" dirty="0"/>
           </a:p>
         </p:txBody>
       </p:sp>

--- a/BasicProgramming and Intro to R (KCL).pptx
+++ b/BasicProgramming and Intro to R (KCL).pptx
@@ -9013,8 +9013,8 @@
         </p:nvSpPr>
         <p:spPr>
           <a:xfrm>
-            <a:off x="652771" y="2727701"/>
-            <a:ext cx="7968963" cy="870264"/>
+            <a:off x="261133" y="2727701"/>
+            <a:ext cx="8621734" cy="870264"/>
           </a:xfrm>
         </p:spPr>
         <p:txBody>
@@ -9024,7 +9024,14 @@
             <a:pPr algn="ctr"/>
             <a:r>
               <a:rPr lang="en-GB" dirty="0"/>
-              <a:t>Basic Programming</a:t>
+              <a:t>Introduction to</a:t>
+            </a:r>
+            <a:br>
+              <a:rPr lang="en-GB" dirty="0"/>
+            </a:br>
+            <a:r>
+              <a:rPr lang="en-GB" dirty="0"/>
+              <a:t>Programming and Coding</a:t>
             </a:r>
           </a:p>
         </p:txBody>
@@ -9047,7 +9054,7 @@
         </p:nvSpPr>
         <p:spPr>
           <a:xfrm>
-            <a:off x="652771" y="3597965"/>
+            <a:off x="587518" y="4049228"/>
             <a:ext cx="7968963" cy="1337780"/>
           </a:xfrm>
         </p:spPr>

--- a/BasicProgramming and Intro to R (KCL).pptx
+++ b/BasicProgramming and Intro to R (KCL).pptx
@@ -1194,6 +1194,67 @@
     <p:extLst>
       <p:ext uri="{BB962C8B-B14F-4D97-AF65-F5344CB8AC3E}">
         <p14:creationId xmlns:p14="http://schemas.microsoft.com/office/powerpoint/2010/main" val="79376811"/>
+      </p:ext>
+    </p:extLst>
+  </p:cSld>
+  <p:clrMapOvr>
+    <a:masterClrMapping/>
+  </p:clrMapOvr>
+</p:notes>
+</file>
+
+<file path=ppt/notesSlides/notesSlide8.xml><?xml version="1.0" encoding="utf-8"?>
+<p:notes xmlns:a="http://schemas.openxmlformats.org/drawingml/2006/main" xmlns:r="http://schemas.openxmlformats.org/officeDocument/2006/relationships" xmlns:p="http://schemas.openxmlformats.org/presentationml/2006/main">
+  <p:cSld>
+    <p:spTree>
+      <p:nvGrpSpPr>
+        <p:cNvPr id="1" name=""/>
+        <p:cNvGrpSpPr/>
+        <p:nvPr/>
+      </p:nvGrpSpPr>
+      <p:grpSpPr>
+        <a:xfrm>
+          <a:off x="0" y="0"/>
+          <a:ext cx="0" cy="0"/>
+          <a:chOff x="0" y="0"/>
+          <a:chExt cx="0" cy="0"/>
+        </a:xfrm>
+      </p:grpSpPr>
+      <p:sp>
+        <p:nvSpPr>
+          <p:cNvPr id="2" name="Slide Image Placeholder 1"/>
+          <p:cNvSpPr>
+            <a:spLocks noGrp="1" noRot="1" noChangeAspect="1"/>
+          </p:cNvSpPr>
+          <p:nvPr>
+            <p:ph type="sldImg"/>
+          </p:nvPr>
+        </p:nvSpPr>
+        <p:spPr/>
+      </p:sp>
+      <p:sp>
+        <p:nvSpPr>
+          <p:cNvPr id="3" name="Notes Placeholder 2"/>
+          <p:cNvSpPr>
+            <a:spLocks noGrp="1"/>
+          </p:cNvSpPr>
+          <p:nvPr>
+            <p:ph type="body" idx="1"/>
+          </p:nvPr>
+        </p:nvSpPr>
+        <p:spPr/>
+        <p:txBody>
+          <a:bodyPr/>
+          <a:lstStyle/>
+          <a:p>
+            <a:endParaRPr lang="en-GB" dirty="0"/>
+          </a:p>
+        </p:txBody>
+      </p:sp>
+    </p:spTree>
+    <p:extLst>
+      <p:ext uri="{BB962C8B-B14F-4D97-AF65-F5344CB8AC3E}">
+        <p14:creationId xmlns:p14="http://schemas.microsoft.com/office/powerpoint/2010/main" val="3917532602"/>
       </p:ext>
     </p:extLst>
   </p:cSld>
@@ -18834,10 +18895,10 @@
           <p:nvPr/>
         </p:nvPicPr>
         <p:blipFill>
-          <a:blip r:embed="rId2">
+          <a:blip r:embed="rId3">
             <a:extLst>
               <a:ext uri="{96DAC541-7B7A-43D3-8B79-37D633B846F1}">
-                <asvg:svgBlip xmlns:asvg="http://schemas.microsoft.com/office/drawing/2016/SVG/main" r:embed="rId3"/>
+                <asvg:svgBlip xmlns:asvg="http://schemas.microsoft.com/office/drawing/2016/SVG/main" r:embed="rId4"/>
               </a:ext>
             </a:extLst>
           </a:blip>
